--- a/presentation.pptx
+++ b/presentation.pptx
@@ -6010,10 +6010,10 @@
       </p:sp>
       <p:pic>
         <p:nvPicPr>
-          <p:cNvPr id="5" name="Content Placeholder 4" descr="A picture containing timeline&#10;&#10;Description automatically generated">
+          <p:cNvPr id="7" name="Picture 6" descr="A picture containing text&#10;&#10;Description automatically generated">
             <a:extLst>
               <a:ext uri="{FF2B5EF4-FFF2-40B4-BE49-F238E27FC236}">
-                <a16:creationId xmlns:a16="http://schemas.microsoft.com/office/drawing/2014/main" id="{A5C8315F-5836-5747-A1A9-4D2CDBD7377A}"/>
+                <a16:creationId xmlns:a16="http://schemas.microsoft.com/office/drawing/2014/main" id="{4C3F78B9-6C32-BB45-BFA0-4C3E5ED32D7E}"/>
               </a:ext>
             </a:extLst>
           </p:cNvPr>
@@ -6030,8 +6030,8 @@
         </p:blipFill>
         <p:spPr>
           <a:xfrm>
-            <a:off x="7484822" y="414555"/>
-            <a:ext cx="3255598" cy="6028889"/>
+            <a:off x="7376008" y="99203"/>
+            <a:ext cx="4004756" cy="6659594"/>
           </a:xfrm>
           <a:prstGeom prst="rect">
             <a:avLst/>
@@ -6242,6 +6242,12 @@
             <a:r>
               <a:rPr lang="en-US" dirty="0"/>
               <a:t>Improve UI</a:t>
+            </a:r>
+          </a:p>
+          <a:p>
+            <a:r>
+              <a:rPr lang="en-US" dirty="0"/>
+              <a:t>Improve performance </a:t>
             </a:r>
           </a:p>
         </p:txBody>
